--- a/Denight/ios assets/New Microsoft PowerPoint 演示文稿.pptx
+++ b/Denight/ios assets/New Microsoft PowerPoint 演示文稿.pptx
@@ -6,6 +6,7 @@
   </p:sldMasterIdLst>
   <p:sldIdLst>
     <p:sldId id="256" r:id="rId2"/>
+    <p:sldId id="257" r:id="rId3"/>
   </p:sldIdLst>
   <p:sldSz cx="9144000" cy="6858000" type="screen4x3"/>
   <p:notesSz cx="6858000" cy="9144000"/>
@@ -288,7 +289,7 @@
           <a:p>
             <a:fld id="{530820CF-B880-4189-942D-D702A7CBA730}" type="datetimeFigureOut">
               <a:rPr lang="zh-CN" altLang="en-US" smtClean="0"/>
-              <a:t>2013/3/28</a:t>
+              <a:t>2013/3/29</a:t>
             </a:fld>
             <a:endParaRPr lang="zh-CN" altLang="en-US"/>
           </a:p>
@@ -453,7 +454,7 @@
           <a:p>
             <a:fld id="{530820CF-B880-4189-942D-D702A7CBA730}" type="datetimeFigureOut">
               <a:rPr lang="zh-CN" altLang="en-US" smtClean="0"/>
-              <a:t>2013/3/28</a:t>
+              <a:t>2013/3/29</a:t>
             </a:fld>
             <a:endParaRPr lang="zh-CN" altLang="en-US"/>
           </a:p>
@@ -628,7 +629,7 @@
           <a:p>
             <a:fld id="{530820CF-B880-4189-942D-D702A7CBA730}" type="datetimeFigureOut">
               <a:rPr lang="zh-CN" altLang="en-US" smtClean="0"/>
-              <a:t>2013/3/28</a:t>
+              <a:t>2013/3/29</a:t>
             </a:fld>
             <a:endParaRPr lang="zh-CN" altLang="en-US"/>
           </a:p>
@@ -793,7 +794,7 @@
           <a:p>
             <a:fld id="{530820CF-B880-4189-942D-D702A7CBA730}" type="datetimeFigureOut">
               <a:rPr lang="zh-CN" altLang="en-US" smtClean="0"/>
-              <a:t>2013/3/28</a:t>
+              <a:t>2013/3/29</a:t>
             </a:fld>
             <a:endParaRPr lang="zh-CN" altLang="en-US"/>
           </a:p>
@@ -1034,7 +1035,7 @@
           <a:p>
             <a:fld id="{530820CF-B880-4189-942D-D702A7CBA730}" type="datetimeFigureOut">
               <a:rPr lang="zh-CN" altLang="en-US" smtClean="0"/>
-              <a:t>2013/3/28</a:t>
+              <a:t>2013/3/29</a:t>
             </a:fld>
             <a:endParaRPr lang="zh-CN" altLang="en-US"/>
           </a:p>
@@ -1317,7 +1318,7 @@
           <a:p>
             <a:fld id="{530820CF-B880-4189-942D-D702A7CBA730}" type="datetimeFigureOut">
               <a:rPr lang="zh-CN" altLang="en-US" smtClean="0"/>
-              <a:t>2013/3/28</a:t>
+              <a:t>2013/3/29</a:t>
             </a:fld>
             <a:endParaRPr lang="zh-CN" altLang="en-US"/>
           </a:p>
@@ -1734,7 +1735,7 @@
           <a:p>
             <a:fld id="{530820CF-B880-4189-942D-D702A7CBA730}" type="datetimeFigureOut">
               <a:rPr lang="zh-CN" altLang="en-US" smtClean="0"/>
-              <a:t>2013/3/28</a:t>
+              <a:t>2013/3/29</a:t>
             </a:fld>
             <a:endParaRPr lang="zh-CN" altLang="en-US"/>
           </a:p>
@@ -1847,7 +1848,7 @@
           <a:p>
             <a:fld id="{530820CF-B880-4189-942D-D702A7CBA730}" type="datetimeFigureOut">
               <a:rPr lang="zh-CN" altLang="en-US" smtClean="0"/>
-              <a:t>2013/3/28</a:t>
+              <a:t>2013/3/29</a:t>
             </a:fld>
             <a:endParaRPr lang="zh-CN" altLang="en-US"/>
           </a:p>
@@ -1937,7 +1938,7 @@
           <a:p>
             <a:fld id="{530820CF-B880-4189-942D-D702A7CBA730}" type="datetimeFigureOut">
               <a:rPr lang="zh-CN" altLang="en-US" smtClean="0"/>
-              <a:t>2013/3/28</a:t>
+              <a:t>2013/3/29</a:t>
             </a:fld>
             <a:endParaRPr lang="zh-CN" altLang="en-US"/>
           </a:p>
@@ -2209,7 +2210,7 @@
           <a:p>
             <a:fld id="{530820CF-B880-4189-942D-D702A7CBA730}" type="datetimeFigureOut">
               <a:rPr lang="zh-CN" altLang="en-US" smtClean="0"/>
-              <a:t>2013/3/28</a:t>
+              <a:t>2013/3/29</a:t>
             </a:fld>
             <a:endParaRPr lang="zh-CN" altLang="en-US"/>
           </a:p>
@@ -2457,7 +2458,7 @@
           <a:p>
             <a:fld id="{530820CF-B880-4189-942D-D702A7CBA730}" type="datetimeFigureOut">
               <a:rPr lang="zh-CN" altLang="en-US" smtClean="0"/>
-              <a:t>2013/3/28</a:t>
+              <a:t>2013/3/29</a:t>
             </a:fld>
             <a:endParaRPr lang="zh-CN" altLang="en-US"/>
           </a:p>
@@ -2665,7 +2666,7 @@
           <a:p>
             <a:fld id="{530820CF-B880-4189-942D-D702A7CBA730}" type="datetimeFigureOut">
               <a:rPr lang="zh-CN" altLang="en-US" smtClean="0"/>
-              <a:t>2013/3/28</a:t>
+              <a:t>2013/3/29</a:t>
             </a:fld>
             <a:endParaRPr lang="zh-CN" altLang="en-US"/>
           </a:p>
@@ -3166,6 +3167,167 @@
 </p:sld>
 </file>
 
+<file path=ppt/slides/slide2.xml><?xml version="1.0" encoding="utf-8"?>
+<p:sld xmlns:a="http://schemas.openxmlformats.org/drawingml/2006/main" xmlns:r="http://schemas.openxmlformats.org/officeDocument/2006/relationships" xmlns:p="http://schemas.openxmlformats.org/presentationml/2006/main">
+  <p:cSld>
+    <p:spTree>
+      <p:nvGrpSpPr>
+        <p:cNvPr id="1" name=""/>
+        <p:cNvGrpSpPr/>
+        <p:nvPr/>
+      </p:nvGrpSpPr>
+      <p:grpSpPr>
+        <a:xfrm>
+          <a:off x="0" y="0"/>
+          <a:ext cx="0" cy="0"/>
+          <a:chOff x="0" y="0"/>
+          <a:chExt cx="0" cy="0"/>
+        </a:xfrm>
+      </p:grpSpPr>
+      <p:grpSp>
+        <p:nvGrpSpPr>
+          <p:cNvPr id="4" name="组合 3"/>
+          <p:cNvGrpSpPr/>
+          <p:nvPr/>
+        </p:nvGrpSpPr>
+        <p:grpSpPr>
+          <a:xfrm>
+            <a:off x="2267744" y="980728"/>
+            <a:ext cx="3600400" cy="4896544"/>
+            <a:chOff x="2267744" y="980728"/>
+            <a:chExt cx="3600400" cy="4896544"/>
+          </a:xfrm>
+        </p:grpSpPr>
+        <p:sp>
+          <p:nvSpPr>
+            <p:cNvPr id="2" name="矩形 1"/>
+            <p:cNvSpPr/>
+            <p:nvPr/>
+          </p:nvSpPr>
+          <p:spPr>
+            <a:xfrm>
+              <a:off x="2267744" y="980728"/>
+              <a:ext cx="3600400" cy="4896544"/>
+            </a:xfrm>
+            <a:prstGeom prst="rect">
+              <a:avLst/>
+            </a:prstGeom>
+            <a:solidFill>
+              <a:schemeClr val="tx1"/>
+            </a:solidFill>
+          </p:spPr>
+          <p:style>
+            <a:lnRef idx="2">
+              <a:schemeClr val="accent1">
+                <a:shade val="50000"/>
+              </a:schemeClr>
+            </a:lnRef>
+            <a:fillRef idx="1">
+              <a:schemeClr val="accent1"/>
+            </a:fillRef>
+            <a:effectRef idx="0">
+              <a:schemeClr val="accent1"/>
+            </a:effectRef>
+            <a:fontRef idx="minor">
+              <a:schemeClr val="lt1"/>
+            </a:fontRef>
+          </p:style>
+          <p:txBody>
+            <a:bodyPr rtlCol="0" anchor="ctr"/>
+            <a:lstStyle/>
+            <a:p>
+              <a:pPr algn="ctr"/>
+              <a:endParaRPr lang="en-US"/>
+            </a:p>
+          </p:txBody>
+        </p:sp>
+        <p:sp>
+          <p:nvSpPr>
+            <p:cNvPr id="3" name="矩形 2"/>
+            <p:cNvSpPr/>
+            <p:nvPr/>
+          </p:nvSpPr>
+          <p:spPr>
+            <a:xfrm>
+              <a:off x="2267744" y="2996952"/>
+              <a:ext cx="3600400" cy="523220"/>
+            </a:xfrm>
+            <a:prstGeom prst="rect">
+              <a:avLst/>
+            </a:prstGeom>
+            <a:noFill/>
+          </p:spPr>
+          <p:txBody>
+            <a:bodyPr wrap="square" lIns="91440" tIns="45720" rIns="91440" bIns="45720">
+              <a:spAutoFit/>
+            </a:bodyPr>
+            <a:lstStyle/>
+            <a:p>
+              <a:pPr algn="ctr"/>
+              <a:r>
+                <a:rPr lang="en-US" altLang="zh-CN" sz="2800" b="1" cap="none" spc="50" dirty="0" smtClean="0">
+                  <a:ln w="12700" cmpd="sng">
+                    <a:solidFill>
+                      <a:schemeClr val="accent6">
+                        <a:satMod val="120000"/>
+                        <a:shade val="80000"/>
+                      </a:schemeClr>
+                    </a:solidFill>
+                    <a:prstDash val="solid"/>
+                  </a:ln>
+                  <a:solidFill>
+                    <a:schemeClr val="bg1"/>
+                  </a:solidFill>
+                  <a:effectLst>
+                    <a:glow rad="53100">
+                      <a:schemeClr val="accent6">
+                        <a:satMod val="180000"/>
+                        <a:alpha val="30000"/>
+                      </a:schemeClr>
+                    </a:glow>
+                  </a:effectLst>
+                </a:rPr>
+                <a:t>Light Up the Darkness</a:t>
+              </a:r>
+              <a:endParaRPr lang="zh-CN" altLang="en-US" sz="2800" b="1" cap="none" spc="50" dirty="0">
+                <a:ln w="12700" cmpd="sng">
+                  <a:solidFill>
+                    <a:schemeClr val="accent6">
+                      <a:satMod val="120000"/>
+                      <a:shade val="80000"/>
+                    </a:schemeClr>
+                  </a:solidFill>
+                  <a:prstDash val="solid"/>
+                </a:ln>
+                <a:solidFill>
+                  <a:schemeClr val="bg1"/>
+                </a:solidFill>
+                <a:effectLst>
+                  <a:glow rad="53100">
+                    <a:schemeClr val="accent6">
+                      <a:satMod val="180000"/>
+                      <a:alpha val="30000"/>
+                    </a:schemeClr>
+                  </a:glow>
+                </a:effectLst>
+              </a:endParaRPr>
+            </a:p>
+          </p:txBody>
+        </p:sp>
+      </p:grpSp>
+    </p:spTree>
+    <p:extLst>
+      <p:ext uri="{BB962C8B-B14F-4D97-AF65-F5344CB8AC3E}">
+        <p14:creationId xmlns:p14="http://schemas.microsoft.com/office/powerpoint/2010/main" val="3726175651"/>
+      </p:ext>
+    </p:extLst>
+  </p:cSld>
+  <p:clrMapOvr>
+    <a:masterClrMapping/>
+  </p:clrMapOvr>
+</p:sld>
+</file>
+
 <file path=ppt/theme/theme1.xml><?xml version="1.0" encoding="utf-8"?>
 <a:theme xmlns:a="http://schemas.openxmlformats.org/drawingml/2006/main" name="Office 主题">
   <a:themeElements>
